--- a/Apresentação ARCA.pptx
+++ b/Apresentação ARCA.pptx
@@ -146,6 +146,178 @@
 </p:presentation>
 </file>
 
+<file path=ppt/changesInfos/changesInfo1.xml><?xml version="1.0" encoding="utf-8"?>
+<pc:chgInfo xmlns:a="http://schemas.openxmlformats.org/drawingml/2006/main" xmlns:r="http://schemas.openxmlformats.org/officeDocument/2006/relationships" xmlns:ac="http://schemas.microsoft.com/office/drawing/2013/main/command" xmlns:pc="http://schemas.microsoft.com/office/powerpoint/2013/main/command">
+  <pc:docChgLst>
+    <pc:chgData name="Brian Pereira" userId="17a1c29c7d52260d" providerId="LiveId" clId="{4352DC82-7DBC-4C82-9572-22AE833492EF}"/>
+    <pc:docChg chg="undo custSel addSld delSld modSld">
+      <pc:chgData name="Brian Pereira" userId="17a1c29c7d52260d" providerId="LiveId" clId="{4352DC82-7DBC-4C82-9572-22AE833492EF}" dt="2024-09-19T15:07:10.285" v="23" actId="478"/>
+      <pc:docMkLst>
+        <pc:docMk/>
+      </pc:docMkLst>
+      <pc:sldChg chg="addSp delSp mod">
+        <pc:chgData name="Brian Pereira" userId="17a1c29c7d52260d" providerId="LiveId" clId="{4352DC82-7DBC-4C82-9572-22AE833492EF}" dt="2024-09-19T15:07:10.285" v="23" actId="478"/>
+        <pc:sldMkLst>
+          <pc:docMk/>
+          <pc:sldMk cId="0" sldId="256"/>
+        </pc:sldMkLst>
+        <pc:spChg chg="add del">
+          <ac:chgData name="Brian Pereira" userId="17a1c29c7d52260d" providerId="LiveId" clId="{4352DC82-7DBC-4C82-9572-22AE833492EF}" dt="2024-09-19T15:07:10.285" v="23" actId="478"/>
+          <ac:spMkLst>
+            <pc:docMk/>
+            <pc:sldMk cId="0" sldId="256"/>
+            <ac:spMk id="11" creationId="{00000000-0000-0000-0000-000000000000}"/>
+          </ac:spMkLst>
+        </pc:spChg>
+      </pc:sldChg>
+      <pc:sldChg chg="addSp delSp mod">
+        <pc:chgData name="Brian Pereira" userId="17a1c29c7d52260d" providerId="LiveId" clId="{4352DC82-7DBC-4C82-9572-22AE833492EF}" dt="2024-09-19T15:07:10.064" v="22" actId="478"/>
+        <pc:sldMkLst>
+          <pc:docMk/>
+          <pc:sldMk cId="0" sldId="257"/>
+        </pc:sldMkLst>
+        <pc:spChg chg="add del">
+          <ac:chgData name="Brian Pereira" userId="17a1c29c7d52260d" providerId="LiveId" clId="{4352DC82-7DBC-4C82-9572-22AE833492EF}" dt="2024-09-19T15:07:10.064" v="22" actId="478"/>
+          <ac:spMkLst>
+            <pc:docMk/>
+            <pc:sldMk cId="0" sldId="257"/>
+            <ac:spMk id="12" creationId="{647096B3-3AEE-C208-785B-708519A2CF47}"/>
+          </ac:spMkLst>
+        </pc:spChg>
+      </pc:sldChg>
+      <pc:sldChg chg="addSp delSp modSp mod">
+        <pc:chgData name="Brian Pereira" userId="17a1c29c7d52260d" providerId="LiveId" clId="{4352DC82-7DBC-4C82-9572-22AE833492EF}" dt="2024-09-19T15:07:09.861" v="21" actId="167"/>
+        <pc:sldMkLst>
+          <pc:docMk/>
+          <pc:sldMk cId="0" sldId="258"/>
+        </pc:sldMkLst>
+        <pc:spChg chg="ord">
+          <ac:chgData name="Brian Pereira" userId="17a1c29c7d52260d" providerId="LiveId" clId="{4352DC82-7DBC-4C82-9572-22AE833492EF}" dt="2024-09-19T15:07:09.861" v="21" actId="167"/>
+          <ac:spMkLst>
+            <pc:docMk/>
+            <pc:sldMk cId="0" sldId="258"/>
+            <ac:spMk id="2" creationId="{00000000-0000-0000-0000-000000000000}"/>
+          </ac:spMkLst>
+        </pc:spChg>
+        <pc:spChg chg="add del">
+          <ac:chgData name="Brian Pereira" userId="17a1c29c7d52260d" providerId="LiveId" clId="{4352DC82-7DBC-4C82-9572-22AE833492EF}" dt="2024-09-19T15:07:09.672" v="20" actId="478"/>
+          <ac:spMkLst>
+            <pc:docMk/>
+            <pc:sldMk cId="0" sldId="258"/>
+            <ac:spMk id="11" creationId="{540E6759-6575-79F1-54D4-F88F0C8EFD66}"/>
+          </ac:spMkLst>
+        </pc:spChg>
+      </pc:sldChg>
+      <pc:sldChg chg="addSp delSp modSp mod">
+        <pc:chgData name="Brian Pereira" userId="17a1c29c7d52260d" providerId="LiveId" clId="{4352DC82-7DBC-4C82-9572-22AE833492EF}" dt="2024-09-19T15:07:09.468" v="19" actId="167"/>
+        <pc:sldMkLst>
+          <pc:docMk/>
+          <pc:sldMk cId="0" sldId="259"/>
+        </pc:sldMkLst>
+        <pc:spChg chg="ord">
+          <ac:chgData name="Brian Pereira" userId="17a1c29c7d52260d" providerId="LiveId" clId="{4352DC82-7DBC-4C82-9572-22AE833492EF}" dt="2024-09-19T15:07:09.468" v="19" actId="167"/>
+          <ac:spMkLst>
+            <pc:docMk/>
+            <pc:sldMk cId="0" sldId="259"/>
+            <ac:spMk id="2" creationId="{00000000-0000-0000-0000-000000000000}"/>
+          </ac:spMkLst>
+        </pc:spChg>
+        <pc:spChg chg="add del">
+          <ac:chgData name="Brian Pereira" userId="17a1c29c7d52260d" providerId="LiveId" clId="{4352DC82-7DBC-4C82-9572-22AE833492EF}" dt="2024-09-19T15:07:09.265" v="18" actId="478"/>
+          <ac:spMkLst>
+            <pc:docMk/>
+            <pc:sldMk cId="0" sldId="259"/>
+            <ac:spMk id="11" creationId="{494A2B0D-F280-9748-3F53-39AE280F6161}"/>
+          </ac:spMkLst>
+        </pc:spChg>
+      </pc:sldChg>
+      <pc:sldChg chg="addSp delSp modSp mod">
+        <pc:chgData name="Brian Pereira" userId="17a1c29c7d52260d" providerId="LiveId" clId="{4352DC82-7DBC-4C82-9572-22AE833492EF}" dt="2024-09-19T15:07:09.092" v="17" actId="167"/>
+        <pc:sldMkLst>
+          <pc:docMk/>
+          <pc:sldMk cId="0" sldId="260"/>
+        </pc:sldMkLst>
+        <pc:spChg chg="ord">
+          <ac:chgData name="Brian Pereira" userId="17a1c29c7d52260d" providerId="LiveId" clId="{4352DC82-7DBC-4C82-9572-22AE833492EF}" dt="2024-09-19T15:07:09.092" v="17" actId="167"/>
+          <ac:spMkLst>
+            <pc:docMk/>
+            <pc:sldMk cId="0" sldId="260"/>
+            <ac:spMk id="2" creationId="{00000000-0000-0000-0000-000000000000}"/>
+          </ac:spMkLst>
+        </pc:spChg>
+        <pc:spChg chg="add del">
+          <ac:chgData name="Brian Pereira" userId="17a1c29c7d52260d" providerId="LiveId" clId="{4352DC82-7DBC-4C82-9572-22AE833492EF}" dt="2024-09-19T15:07:08.924" v="16" actId="478"/>
+          <ac:spMkLst>
+            <pc:docMk/>
+            <pc:sldMk cId="0" sldId="260"/>
+            <ac:spMk id="11" creationId="{26A26A37-0480-8197-903C-232682A1A365}"/>
+          </ac:spMkLst>
+        </pc:spChg>
+      </pc:sldChg>
+      <pc:sldChg chg="addSp delSp mod">
+        <pc:chgData name="Brian Pereira" userId="17a1c29c7d52260d" providerId="LiveId" clId="{4352DC82-7DBC-4C82-9572-22AE833492EF}" dt="2024-09-19T15:07:08.730" v="15" actId="478"/>
+        <pc:sldMkLst>
+          <pc:docMk/>
+          <pc:sldMk cId="0" sldId="261"/>
+        </pc:sldMkLst>
+        <pc:spChg chg="add del">
+          <ac:chgData name="Brian Pereira" userId="17a1c29c7d52260d" providerId="LiveId" clId="{4352DC82-7DBC-4C82-9572-22AE833492EF}" dt="2024-09-19T15:07:08.730" v="15" actId="478"/>
+          <ac:spMkLst>
+            <pc:docMk/>
+            <pc:sldMk cId="0" sldId="261"/>
+            <ac:spMk id="22" creationId="{A4939E97-8456-E3C3-5E25-B4226E1DAC60}"/>
+          </ac:spMkLst>
+        </pc:spChg>
+      </pc:sldChg>
+      <pc:sldChg chg="addSp delSp add del mod">
+        <pc:chgData name="Brian Pereira" userId="17a1c29c7d52260d" providerId="LiveId" clId="{4352DC82-7DBC-4C82-9572-22AE833492EF}" dt="2024-09-19T15:07:08.480" v="14" actId="478"/>
+        <pc:sldMkLst>
+          <pc:docMk/>
+          <pc:sldMk cId="0" sldId="262"/>
+        </pc:sldMkLst>
+        <pc:spChg chg="add del">
+          <ac:chgData name="Brian Pereira" userId="17a1c29c7d52260d" providerId="LiveId" clId="{4352DC82-7DBC-4C82-9572-22AE833492EF}" dt="2024-09-19T15:07:08.480" v="14" actId="478"/>
+          <ac:spMkLst>
+            <pc:docMk/>
+            <pc:sldMk cId="0" sldId="262"/>
+            <ac:spMk id="14" creationId="{B6D53AD4-2C46-5DBF-7D1C-2E088E389918}"/>
+          </ac:spMkLst>
+        </pc:spChg>
+      </pc:sldChg>
+      <pc:sldChg chg="add del">
+        <pc:chgData name="Brian Pereira" userId="17a1c29c7d52260d" providerId="LiveId" clId="{4352DC82-7DBC-4C82-9572-22AE833492EF}" dt="2024-09-19T15:07:08.244" v="13" actId="2696"/>
+        <pc:sldMkLst>
+          <pc:docMk/>
+          <pc:sldMk cId="0" sldId="263"/>
+        </pc:sldMkLst>
+      </pc:sldChg>
+      <pc:sldChg chg="add del">
+        <pc:chgData name="Brian Pereira" userId="17a1c29c7d52260d" providerId="LiveId" clId="{4352DC82-7DBC-4C82-9572-22AE833492EF}" dt="2024-09-19T15:07:08.244" v="13" actId="2696"/>
+        <pc:sldMkLst>
+          <pc:docMk/>
+          <pc:sldMk cId="0" sldId="264"/>
+        </pc:sldMkLst>
+      </pc:sldChg>
+      <pc:sldChg chg="addSp delSp mod">
+        <pc:chgData name="Brian Pereira" userId="17a1c29c7d52260d" providerId="LiveId" clId="{4352DC82-7DBC-4C82-9572-22AE833492EF}" dt="2024-09-19T15:07:08.018" v="12" actId="478"/>
+        <pc:sldMkLst>
+          <pc:docMk/>
+          <pc:sldMk cId="0" sldId="265"/>
+        </pc:sldMkLst>
+        <pc:spChg chg="add del">
+          <ac:chgData name="Brian Pereira" userId="17a1c29c7d52260d" providerId="LiveId" clId="{4352DC82-7DBC-4C82-9572-22AE833492EF}" dt="2024-09-19T15:07:08.018" v="12" actId="478"/>
+          <ac:spMkLst>
+            <pc:docMk/>
+            <pc:sldMk cId="0" sldId="265"/>
+            <ac:spMk id="5" creationId="{00000000-0000-0000-0000-000000000000}"/>
+          </ac:spMkLst>
+        </pc:spChg>
+      </pc:sldChg>
+    </pc:docChg>
+  </pc:docChgLst>
+</pc:chgInfo>
+</file>
+
 <file path=ppt/slideLayouts/slideLayout1.xml><?xml version="1.0" encoding="utf-8"?>
 <p:sldLayout xmlns:a="http://schemas.openxmlformats.org/drawingml/2006/main" xmlns:r="http://schemas.openxmlformats.org/officeDocument/2006/relationships" xmlns:p="http://schemas.openxmlformats.org/presentationml/2006/main" type="title" preserve="1">
   <p:cSld name="Title Slide">
@@ -326,7 +498,7 @@
             <a:fld id="{1D8BD707-D9CF-40AE-B4C6-C98DA3205C09}" type="datetimeFigureOut">
               <a:rPr lang="en-US" smtClean="0"/>
               <a:pPr/>
-              <a:t>7/16/2024</a:t>
+              <a:t>9/19/2024</a:t>
             </a:fld>
             <a:endParaRPr lang="en-US"/>
           </a:p>
@@ -491,7 +663,7 @@
             <a:fld id="{1D8BD707-D9CF-40AE-B4C6-C98DA3205C09}" type="datetimeFigureOut">
               <a:rPr lang="en-US" smtClean="0"/>
               <a:pPr/>
-              <a:t>7/16/2024</a:t>
+              <a:t>9/19/2024</a:t>
             </a:fld>
             <a:endParaRPr lang="en-US"/>
           </a:p>
@@ -666,7 +838,7 @@
             <a:fld id="{1D8BD707-D9CF-40AE-B4C6-C98DA3205C09}" type="datetimeFigureOut">
               <a:rPr lang="en-US" smtClean="0"/>
               <a:pPr/>
-              <a:t>7/16/2024</a:t>
+              <a:t>9/19/2024</a:t>
             </a:fld>
             <a:endParaRPr lang="en-US"/>
           </a:p>
@@ -831,7 +1003,7 @@
             <a:fld id="{1D8BD707-D9CF-40AE-B4C6-C98DA3205C09}" type="datetimeFigureOut">
               <a:rPr lang="en-US" smtClean="0"/>
               <a:pPr/>
-              <a:t>7/16/2024</a:t>
+              <a:t>9/19/2024</a:t>
             </a:fld>
             <a:endParaRPr lang="en-US"/>
           </a:p>
@@ -1073,7 +1245,7 @@
             <a:fld id="{1D8BD707-D9CF-40AE-B4C6-C98DA3205C09}" type="datetimeFigureOut">
               <a:rPr lang="en-US" smtClean="0"/>
               <a:pPr/>
-              <a:t>7/16/2024</a:t>
+              <a:t>9/19/2024</a:t>
             </a:fld>
             <a:endParaRPr lang="en-US"/>
           </a:p>
@@ -1355,7 +1527,7 @@
             <a:fld id="{1D8BD707-D9CF-40AE-B4C6-C98DA3205C09}" type="datetimeFigureOut">
               <a:rPr lang="en-US" smtClean="0"/>
               <a:pPr/>
-              <a:t>7/16/2024</a:t>
+              <a:t>9/19/2024</a:t>
             </a:fld>
             <a:endParaRPr lang="en-US"/>
           </a:p>
@@ -1771,7 +1943,7 @@
             <a:fld id="{1D8BD707-D9CF-40AE-B4C6-C98DA3205C09}" type="datetimeFigureOut">
               <a:rPr lang="en-US" smtClean="0"/>
               <a:pPr/>
-              <a:t>7/16/2024</a:t>
+              <a:t>9/19/2024</a:t>
             </a:fld>
             <a:endParaRPr lang="en-US"/>
           </a:p>
@@ -1885,7 +2057,7 @@
             <a:fld id="{1D8BD707-D9CF-40AE-B4C6-C98DA3205C09}" type="datetimeFigureOut">
               <a:rPr lang="en-US" smtClean="0"/>
               <a:pPr/>
-              <a:t>7/16/2024</a:t>
+              <a:t>9/19/2024</a:t>
             </a:fld>
             <a:endParaRPr lang="en-US"/>
           </a:p>
@@ -1977,7 +2149,7 @@
             <a:fld id="{1D8BD707-D9CF-40AE-B4C6-C98DA3205C09}" type="datetimeFigureOut">
               <a:rPr lang="en-US" smtClean="0"/>
               <a:pPr/>
-              <a:t>7/16/2024</a:t>
+              <a:t>9/19/2024</a:t>
             </a:fld>
             <a:endParaRPr lang="en-US"/>
           </a:p>
@@ -2249,7 +2421,7 @@
             <a:fld id="{1D8BD707-D9CF-40AE-B4C6-C98DA3205C09}" type="datetimeFigureOut">
               <a:rPr lang="en-US" smtClean="0"/>
               <a:pPr/>
-              <a:t>7/16/2024</a:t>
+              <a:t>9/19/2024</a:t>
             </a:fld>
             <a:endParaRPr lang="en-US"/>
           </a:p>
@@ -2498,7 +2670,7 @@
             <a:fld id="{1D8BD707-D9CF-40AE-B4C6-C98DA3205C09}" type="datetimeFigureOut">
               <a:rPr lang="en-US" smtClean="0"/>
               <a:pPr/>
-              <a:t>7/16/2024</a:t>
+              <a:t>9/19/2024</a:t>
             </a:fld>
             <a:endParaRPr lang="en-US"/>
           </a:p>
@@ -2706,7 +2878,7 @@
             <a:fld id="{1D8BD707-D9CF-40AE-B4C6-C98DA3205C09}" type="datetimeFigureOut">
               <a:rPr lang="en-US" smtClean="0"/>
               <a:pPr/>
-              <a:t>7/16/2024</a:t>
+              <a:t>9/19/2024</a:t>
             </a:fld>
             <a:endParaRPr lang="en-US"/>
           </a:p>
@@ -7279,7 +7451,7 @@
               </a:lnSpc>
             </a:pPr>
             <a:r>
-              <a:rPr lang="en-US" sz="3600" spc="140">
+              <a:rPr lang="en-US" sz="3600" spc="140" dirty="0">
                 <a:solidFill>
                   <a:srgbClr val="FFFFFF"/>
                 </a:solidFill>
@@ -7288,10 +7460,154 @@
                 <a:cs typeface="Poppins"/>
                 <a:sym typeface="Poppins"/>
               </a:rPr>
-              <a:t>A Red Fibra fechou contrato com a Associação Comercial de São Paulo (ACSP), obtendo uma </a:t>
-            </a:r>
-            <a:r>
-              <a:rPr lang="en-US" sz="3600" spc="140">
+              <a:t>A Red Fibra </a:t>
+            </a:r>
+            <a:r>
+              <a:rPr lang="en-US" sz="3600" spc="140" dirty="0" err="1">
+                <a:solidFill>
+                  <a:srgbClr val="FFFFFF"/>
+                </a:solidFill>
+                <a:latin typeface="Poppins"/>
+                <a:ea typeface="Poppins"/>
+                <a:cs typeface="Poppins"/>
+                <a:sym typeface="Poppins"/>
+              </a:rPr>
+              <a:t>fechou</a:t>
+            </a:r>
+            <a:r>
+              <a:rPr lang="en-US" sz="3600" spc="140" dirty="0">
+                <a:solidFill>
+                  <a:srgbClr val="FFFFFF"/>
+                </a:solidFill>
+                <a:latin typeface="Poppins"/>
+                <a:ea typeface="Poppins"/>
+                <a:cs typeface="Poppins"/>
+                <a:sym typeface="Poppins"/>
+              </a:rPr>
+              <a:t> </a:t>
+            </a:r>
+            <a:r>
+              <a:rPr lang="en-US" sz="3600" spc="140" dirty="0" err="1">
+                <a:solidFill>
+                  <a:srgbClr val="FFFFFF"/>
+                </a:solidFill>
+                <a:latin typeface="Poppins"/>
+                <a:ea typeface="Poppins"/>
+                <a:cs typeface="Poppins"/>
+                <a:sym typeface="Poppins"/>
+              </a:rPr>
+              <a:t>contrato</a:t>
+            </a:r>
+            <a:r>
+              <a:rPr lang="en-US" sz="3600" spc="140" dirty="0">
+                <a:solidFill>
+                  <a:srgbClr val="FFFFFF"/>
+                </a:solidFill>
+                <a:latin typeface="Poppins"/>
+                <a:ea typeface="Poppins"/>
+                <a:cs typeface="Poppins"/>
+                <a:sym typeface="Poppins"/>
+              </a:rPr>
+              <a:t> com a </a:t>
+            </a:r>
+            <a:r>
+              <a:rPr lang="en-US" sz="3600" spc="140" dirty="0" err="1">
+                <a:solidFill>
+                  <a:srgbClr val="FFFFFF"/>
+                </a:solidFill>
+                <a:latin typeface="Poppins"/>
+                <a:ea typeface="Poppins"/>
+                <a:cs typeface="Poppins"/>
+                <a:sym typeface="Poppins"/>
+              </a:rPr>
+              <a:t>Associação</a:t>
+            </a:r>
+            <a:r>
+              <a:rPr lang="en-US" sz="3600" spc="140" dirty="0">
+                <a:solidFill>
+                  <a:srgbClr val="FFFFFF"/>
+                </a:solidFill>
+                <a:latin typeface="Poppins"/>
+                <a:ea typeface="Poppins"/>
+                <a:cs typeface="Poppins"/>
+                <a:sym typeface="Poppins"/>
+              </a:rPr>
+              <a:t> </a:t>
+            </a:r>
+            <a:r>
+              <a:rPr lang="en-US" sz="3600" spc="140" dirty="0" err="1">
+                <a:solidFill>
+                  <a:srgbClr val="FFFFFF"/>
+                </a:solidFill>
+                <a:latin typeface="Poppins"/>
+                <a:ea typeface="Poppins"/>
+                <a:cs typeface="Poppins"/>
+                <a:sym typeface="Poppins"/>
+              </a:rPr>
+              <a:t>Comercial</a:t>
+            </a:r>
+            <a:r>
+              <a:rPr lang="en-US" sz="3600" spc="140" dirty="0">
+                <a:solidFill>
+                  <a:srgbClr val="FFFFFF"/>
+                </a:solidFill>
+                <a:latin typeface="Poppins"/>
+                <a:ea typeface="Poppins"/>
+                <a:cs typeface="Poppins"/>
+                <a:sym typeface="Poppins"/>
+              </a:rPr>
+              <a:t> de São Paulo (ACSP), </a:t>
+            </a:r>
+            <a:r>
+              <a:rPr lang="en-US" sz="3600" spc="140" dirty="0" err="1">
+                <a:solidFill>
+                  <a:srgbClr val="FFFFFF"/>
+                </a:solidFill>
+                <a:latin typeface="Poppins"/>
+                <a:ea typeface="Poppins"/>
+                <a:cs typeface="Poppins"/>
+                <a:sym typeface="Poppins"/>
+              </a:rPr>
+              <a:t>obtendo</a:t>
+            </a:r>
+            <a:r>
+              <a:rPr lang="en-US" sz="3600" spc="140" dirty="0">
+                <a:solidFill>
+                  <a:srgbClr val="FFFFFF"/>
+                </a:solidFill>
+                <a:latin typeface="Poppins"/>
+                <a:ea typeface="Poppins"/>
+                <a:cs typeface="Poppins"/>
+                <a:sym typeface="Poppins"/>
+              </a:rPr>
+              <a:t> </a:t>
+            </a:r>
+            <a:r>
+              <a:rPr lang="en-US" sz="3600" spc="140" dirty="0" err="1">
+                <a:solidFill>
+                  <a:srgbClr val="FFFFFF"/>
+                </a:solidFill>
+                <a:latin typeface="Poppins"/>
+                <a:ea typeface="Poppins"/>
+                <a:cs typeface="Poppins"/>
+                <a:sym typeface="Poppins"/>
+              </a:rPr>
+              <a:t>uma</a:t>
+            </a:r>
+            <a:r>
+              <a:rPr lang="en-US" sz="3600" spc="140" dirty="0">
+                <a:solidFill>
+                  <a:srgbClr val="FFFFFF"/>
+                </a:solidFill>
+                <a:latin typeface="Poppins"/>
+                <a:ea typeface="Poppins"/>
+                <a:cs typeface="Poppins"/>
+                <a:sym typeface="Poppins"/>
+              </a:rPr>
+              <a:t> </a:t>
+            </a:r>
+            <a:r>
+              <a:rPr lang="en-US" sz="3600" spc="140" dirty="0" err="1">
                 <a:solidFill>
                   <a:srgbClr val="FFFFFF"/>
                 </a:solidFill>
@@ -7300,10 +7616,58 @@
                 <a:cs typeface="Poppins Bold"/>
                 <a:sym typeface="Poppins Bold"/>
               </a:rPr>
-              <a:t>redução de mais de 56% no custo</a:t>
-            </a:r>
-            <a:r>
-              <a:rPr lang="en-US" sz="3600" spc="140">
+              <a:t>redução</a:t>
+            </a:r>
+            <a:r>
+              <a:rPr lang="en-US" sz="3600" spc="140" dirty="0">
+                <a:solidFill>
+                  <a:srgbClr val="FFFFFF"/>
+                </a:solidFill>
+                <a:latin typeface="Poppins Bold"/>
+                <a:ea typeface="Poppins Bold"/>
+                <a:cs typeface="Poppins Bold"/>
+                <a:sym typeface="Poppins Bold"/>
+              </a:rPr>
+              <a:t> de </a:t>
+            </a:r>
+            <a:r>
+              <a:rPr lang="en-US" sz="3600" spc="140" dirty="0" err="1">
+                <a:solidFill>
+                  <a:srgbClr val="FFFFFF"/>
+                </a:solidFill>
+                <a:latin typeface="Poppins Bold"/>
+                <a:ea typeface="Poppins Bold"/>
+                <a:cs typeface="Poppins Bold"/>
+                <a:sym typeface="Poppins Bold"/>
+              </a:rPr>
+              <a:t>mais</a:t>
+            </a:r>
+            <a:r>
+              <a:rPr lang="en-US" sz="3600" spc="140" dirty="0">
+                <a:solidFill>
+                  <a:srgbClr val="FFFFFF"/>
+                </a:solidFill>
+                <a:latin typeface="Poppins Bold"/>
+                <a:ea typeface="Poppins Bold"/>
+                <a:cs typeface="Poppins Bold"/>
+                <a:sym typeface="Poppins Bold"/>
+              </a:rPr>
+              <a:t> de 56% no </a:t>
+            </a:r>
+            <a:r>
+              <a:rPr lang="en-US" sz="3600" spc="140" dirty="0" err="1">
+                <a:solidFill>
+                  <a:srgbClr val="FFFFFF"/>
+                </a:solidFill>
+                <a:latin typeface="Poppins Bold"/>
+                <a:ea typeface="Poppins Bold"/>
+                <a:cs typeface="Poppins Bold"/>
+                <a:sym typeface="Poppins Bold"/>
+              </a:rPr>
+              <a:t>custo</a:t>
+            </a:r>
+            <a:r>
+              <a:rPr lang="en-US" sz="3600" spc="140" dirty="0">
                 <a:solidFill>
                   <a:srgbClr val="FFFFFF"/>
                 </a:solidFill>
@@ -7312,7 +7676,271 @@
                 <a:cs typeface="Poppins"/>
                 <a:sym typeface="Poppins"/>
               </a:rPr>
-              <a:t> das consultas ao banco de dados do SCPC. Além dessa economia significativa, a Red Fibra passa a usufruir de diversos benefícios como associada.</a:t>
+              <a:t> das </a:t>
+            </a:r>
+            <a:r>
+              <a:rPr lang="en-US" sz="3600" spc="140" dirty="0" err="1">
+                <a:solidFill>
+                  <a:srgbClr val="FFFFFF"/>
+                </a:solidFill>
+                <a:latin typeface="Poppins"/>
+                <a:ea typeface="Poppins"/>
+                <a:cs typeface="Poppins"/>
+                <a:sym typeface="Poppins"/>
+              </a:rPr>
+              <a:t>consultas</a:t>
+            </a:r>
+            <a:r>
+              <a:rPr lang="en-US" sz="3600" spc="140" dirty="0">
+                <a:solidFill>
+                  <a:srgbClr val="FFFFFF"/>
+                </a:solidFill>
+                <a:latin typeface="Poppins"/>
+                <a:ea typeface="Poppins"/>
+                <a:cs typeface="Poppins"/>
+                <a:sym typeface="Poppins"/>
+              </a:rPr>
+              <a:t> </a:t>
+            </a:r>
+            <a:r>
+              <a:rPr lang="en-US" sz="3600" spc="140" dirty="0" err="1">
+                <a:solidFill>
+                  <a:srgbClr val="FFFFFF"/>
+                </a:solidFill>
+                <a:latin typeface="Poppins"/>
+                <a:ea typeface="Poppins"/>
+                <a:cs typeface="Poppins"/>
+                <a:sym typeface="Poppins"/>
+              </a:rPr>
+              <a:t>ao</a:t>
+            </a:r>
+            <a:r>
+              <a:rPr lang="en-US" sz="3600" spc="140" dirty="0">
+                <a:solidFill>
+                  <a:srgbClr val="FFFFFF"/>
+                </a:solidFill>
+                <a:latin typeface="Poppins"/>
+                <a:ea typeface="Poppins"/>
+                <a:cs typeface="Poppins"/>
+                <a:sym typeface="Poppins"/>
+              </a:rPr>
+              <a:t> banco de dados do SCPC. </a:t>
+            </a:r>
+            <a:r>
+              <a:rPr lang="en-US" sz="3600" spc="140" dirty="0" err="1">
+                <a:solidFill>
+                  <a:srgbClr val="FFFFFF"/>
+                </a:solidFill>
+                <a:latin typeface="Poppins"/>
+                <a:ea typeface="Poppins"/>
+                <a:cs typeface="Poppins"/>
+                <a:sym typeface="Poppins"/>
+              </a:rPr>
+              <a:t>Além</a:t>
+            </a:r>
+            <a:r>
+              <a:rPr lang="en-US" sz="3600" spc="140" dirty="0">
+                <a:solidFill>
+                  <a:srgbClr val="FFFFFF"/>
+                </a:solidFill>
+                <a:latin typeface="Poppins"/>
+                <a:ea typeface="Poppins"/>
+                <a:cs typeface="Poppins"/>
+                <a:sym typeface="Poppins"/>
+              </a:rPr>
+              <a:t> dessa </a:t>
+            </a:r>
+            <a:r>
+              <a:rPr lang="en-US" sz="3600" spc="140" dirty="0" err="1">
+                <a:solidFill>
+                  <a:srgbClr val="FFFFFF"/>
+                </a:solidFill>
+                <a:latin typeface="Poppins"/>
+                <a:ea typeface="Poppins"/>
+                <a:cs typeface="Poppins"/>
+                <a:sym typeface="Poppins"/>
+              </a:rPr>
+              <a:t>economia</a:t>
+            </a:r>
+            <a:r>
+              <a:rPr lang="en-US" sz="3600" spc="140" dirty="0">
+                <a:solidFill>
+                  <a:srgbClr val="FFFFFF"/>
+                </a:solidFill>
+                <a:latin typeface="Poppins"/>
+                <a:ea typeface="Poppins"/>
+                <a:cs typeface="Poppins"/>
+                <a:sym typeface="Poppins"/>
+              </a:rPr>
+              <a:t> </a:t>
+            </a:r>
+            <a:r>
+              <a:rPr lang="en-US" sz="3600" spc="140" dirty="0" err="1">
+                <a:solidFill>
+                  <a:srgbClr val="FFFFFF"/>
+                </a:solidFill>
+                <a:latin typeface="Poppins"/>
+                <a:ea typeface="Poppins"/>
+                <a:cs typeface="Poppins"/>
+                <a:sym typeface="Poppins"/>
+              </a:rPr>
+              <a:t>significativa</a:t>
+            </a:r>
+            <a:r>
+              <a:rPr lang="en-US" sz="3600" spc="140" dirty="0">
+                <a:solidFill>
+                  <a:srgbClr val="FFFFFF"/>
+                </a:solidFill>
+                <a:latin typeface="Poppins"/>
+                <a:ea typeface="Poppins"/>
+                <a:cs typeface="Poppins"/>
+                <a:sym typeface="Poppins"/>
+              </a:rPr>
+              <a:t>, a Red Fibra </a:t>
+            </a:r>
+            <a:r>
+              <a:rPr lang="en-US" sz="3600" spc="140" dirty="0" err="1">
+                <a:solidFill>
+                  <a:srgbClr val="FFFFFF"/>
+                </a:solidFill>
+                <a:latin typeface="Poppins"/>
+                <a:ea typeface="Poppins"/>
+                <a:cs typeface="Poppins"/>
+                <a:sym typeface="Poppins"/>
+              </a:rPr>
+              <a:t>passa</a:t>
+            </a:r>
+            <a:r>
+              <a:rPr lang="en-US" sz="3600" spc="140" dirty="0">
+                <a:solidFill>
+                  <a:srgbClr val="FFFFFF"/>
+                </a:solidFill>
+                <a:latin typeface="Poppins"/>
+                <a:ea typeface="Poppins"/>
+                <a:cs typeface="Poppins"/>
+                <a:sym typeface="Poppins"/>
+              </a:rPr>
+              <a:t> a </a:t>
+            </a:r>
+            <a:r>
+              <a:rPr lang="en-US" sz="3600" spc="140" dirty="0" err="1">
+                <a:solidFill>
+                  <a:srgbClr val="FFFFFF"/>
+                </a:solidFill>
+                <a:latin typeface="Poppins"/>
+                <a:ea typeface="Poppins"/>
+                <a:cs typeface="Poppins"/>
+                <a:sym typeface="Poppins"/>
+              </a:rPr>
+              <a:t>usufruir</a:t>
+            </a:r>
+            <a:r>
+              <a:rPr lang="en-US" sz="3600" spc="140" dirty="0">
+                <a:solidFill>
+                  <a:srgbClr val="FFFFFF"/>
+                </a:solidFill>
+                <a:latin typeface="Poppins"/>
+                <a:ea typeface="Poppins"/>
+                <a:cs typeface="Poppins"/>
+                <a:sym typeface="Poppins"/>
+              </a:rPr>
+              <a:t> de </a:t>
+            </a:r>
+            <a:r>
+              <a:rPr lang="en-US" sz="3600" spc="140" dirty="0" err="1">
+                <a:solidFill>
+                  <a:srgbClr val="FFFFFF"/>
+                </a:solidFill>
+                <a:latin typeface="Poppins"/>
+                <a:ea typeface="Poppins"/>
+                <a:cs typeface="Poppins"/>
+                <a:sym typeface="Poppins"/>
+              </a:rPr>
+              <a:t>diversos</a:t>
+            </a:r>
+            <a:r>
+              <a:rPr lang="en-US" sz="3600" spc="140" dirty="0">
+                <a:solidFill>
+                  <a:srgbClr val="FFFFFF"/>
+                </a:solidFill>
+                <a:latin typeface="Poppins"/>
+                <a:ea typeface="Poppins"/>
+                <a:cs typeface="Poppins"/>
+                <a:sym typeface="Poppins"/>
+              </a:rPr>
+              <a:t> </a:t>
+            </a:r>
+            <a:r>
+              <a:rPr lang="en-US" sz="3600" spc="140" dirty="0" err="1">
+                <a:solidFill>
+                  <a:srgbClr val="FFFFFF"/>
+                </a:solidFill>
+                <a:latin typeface="Poppins"/>
+                <a:ea typeface="Poppins"/>
+                <a:cs typeface="Poppins"/>
+                <a:sym typeface="Poppins"/>
+              </a:rPr>
+              <a:t>benefícios</a:t>
+            </a:r>
+            <a:r>
+              <a:rPr lang="en-US" sz="3600" spc="140" dirty="0">
+                <a:solidFill>
+                  <a:srgbClr val="FFFFFF"/>
+                </a:solidFill>
+                <a:latin typeface="Poppins"/>
+                <a:ea typeface="Poppins"/>
+                <a:cs typeface="Poppins"/>
+                <a:sym typeface="Poppins"/>
+              </a:rPr>
+              <a:t> </a:t>
+            </a:r>
+            <a:r>
+              <a:rPr lang="en-US" sz="3600" spc="140" dirty="0" err="1">
+                <a:solidFill>
+                  <a:srgbClr val="FFFFFF"/>
+                </a:solidFill>
+                <a:latin typeface="Poppins"/>
+                <a:ea typeface="Poppins"/>
+                <a:cs typeface="Poppins"/>
+                <a:sym typeface="Poppins"/>
+              </a:rPr>
+              <a:t>como</a:t>
+            </a:r>
+            <a:r>
+              <a:rPr lang="en-US" sz="3600" spc="140" dirty="0">
+                <a:solidFill>
+                  <a:srgbClr val="FFFFFF"/>
+                </a:solidFill>
+                <a:latin typeface="Poppins"/>
+                <a:ea typeface="Poppins"/>
+                <a:cs typeface="Poppins"/>
+                <a:sym typeface="Poppins"/>
+              </a:rPr>
+              <a:t> </a:t>
+            </a:r>
+            <a:r>
+              <a:rPr lang="en-US" sz="3600" spc="140" dirty="0" err="1">
+                <a:solidFill>
+                  <a:srgbClr val="FFFFFF"/>
+                </a:solidFill>
+                <a:latin typeface="Poppins"/>
+                <a:ea typeface="Poppins"/>
+                <a:cs typeface="Poppins"/>
+                <a:sym typeface="Poppins"/>
+              </a:rPr>
+              <a:t>associada</a:t>
+            </a:r>
+            <a:r>
+              <a:rPr lang="en-US" sz="3600" spc="140" dirty="0">
+                <a:solidFill>
+                  <a:srgbClr val="FFFFFF"/>
+                </a:solidFill>
+                <a:latin typeface="Poppins"/>
+                <a:ea typeface="Poppins"/>
+                <a:cs typeface="Poppins"/>
+                <a:sym typeface="Poppins"/>
+              </a:rPr>
+              <a:t>.</a:t>
             </a:r>
           </a:p>
         </p:txBody>
@@ -7450,7 +8078,7 @@
               </a:lnSpc>
             </a:pPr>
             <a:r>
-              <a:rPr lang="en-US" sz="9200" spc="-230">
+              <a:rPr lang="en-US" sz="9200" spc="-230" dirty="0" err="1">
                 <a:solidFill>
                   <a:srgbClr val="FFFFFF"/>
                 </a:solidFill>
@@ -7459,7 +8087,19 @@
                 <a:cs typeface="Poppins Bold"/>
                 <a:sym typeface="Poppins Bold"/>
               </a:rPr>
-              <a:t>Redução de custos</a:t>
+              <a:t>Redução</a:t>
+            </a:r>
+            <a:r>
+              <a:rPr lang="en-US" sz="9200" spc="-230" dirty="0">
+                <a:solidFill>
+                  <a:srgbClr val="FFFFFF"/>
+                </a:solidFill>
+                <a:latin typeface="Poppins Bold"/>
+                <a:ea typeface="Poppins Bold"/>
+                <a:cs typeface="Poppins Bold"/>
+                <a:sym typeface="Poppins Bold"/>
+              </a:rPr>
+              <a:t> de custos</a:t>
             </a:r>
           </a:p>
         </p:txBody>
